--- a/DM-Project-PPT.pptx
+++ b/DM-Project-PPT.pptx
@@ -11,7 +11,10 @@
     <p:sldId id="260" r:id="rId5"/>
     <p:sldId id="261" r:id="rId6"/>
     <p:sldId id="262" r:id="rId7"/>
-    <p:sldId id="263" r:id="rId8"/>
+    <p:sldId id="264" r:id="rId8"/>
+    <p:sldId id="265" r:id="rId9"/>
+    <p:sldId id="266" r:id="rId10"/>
+    <p:sldId id="263" r:id="rId11"/>
   </p:sldIdLst>
   <p:sldSz cx="12192000" cy="6858000"/>
   <p:notesSz cx="6858000" cy="9144000"/>
@@ -6350,6 +6353,71 @@
 </p:sld>
 </file>
 
+<file path=ppt/slides/slide10.xml><?xml version="1.0" encoding="utf-8"?>
+<p:sld xmlns:a="http://schemas.openxmlformats.org/drawingml/2006/main" xmlns:r="http://schemas.openxmlformats.org/officeDocument/2006/relationships" xmlns:p="http://schemas.openxmlformats.org/presentationml/2006/main">
+  <p:cSld>
+    <p:spTree>
+      <p:nvGrpSpPr>
+        <p:cNvPr id="1" name=""/>
+        <p:cNvGrpSpPr/>
+        <p:nvPr/>
+      </p:nvGrpSpPr>
+      <p:grpSpPr>
+        <a:xfrm>
+          <a:off x="0" y="0"/>
+          <a:ext cx="0" cy="0"/>
+          <a:chOff x="0" y="0"/>
+          <a:chExt cx="0" cy="0"/>
+        </a:xfrm>
+      </p:grpSpPr>
+      <p:sp>
+        <p:nvSpPr>
+          <p:cNvPr id="2" name="Title 1">
+            <a:extLst>
+              <a:ext uri="{FF2B5EF4-FFF2-40B4-BE49-F238E27FC236}">
+                <a16:creationId xmlns:a16="http://schemas.microsoft.com/office/drawing/2014/main" id="{CB6DB134-0052-4B72-B13B-5C5A5E1B4779}"/>
+              </a:ext>
+            </a:extLst>
+          </p:cNvPr>
+          <p:cNvSpPr>
+            <a:spLocks noGrp="1"/>
+          </p:cNvSpPr>
+          <p:nvPr>
+            <p:ph type="title"/>
+          </p:nvPr>
+        </p:nvSpPr>
+        <p:spPr>
+          <a:xfrm>
+            <a:off x="276466" y="2142517"/>
+            <a:ext cx="10364451" cy="1596177"/>
+          </a:xfrm>
+        </p:spPr>
+        <p:txBody>
+          <a:bodyPr/>
+          <a:lstStyle/>
+          <a:p>
+            <a:r>
+              <a:rPr lang="en-US" dirty="0">
+                <a:latin typeface="Amasis MT Pro Medium" panose="02040604050005020304" pitchFamily="18" charset="0"/>
+              </a:rPr>
+              <a:t>Thank you </a:t>
+            </a:r>
+          </a:p>
+        </p:txBody>
+      </p:sp>
+    </p:spTree>
+    <p:extLst>
+      <p:ext uri="{BB962C8B-B14F-4D97-AF65-F5344CB8AC3E}">
+        <p14:creationId xmlns:p14="http://schemas.microsoft.com/office/powerpoint/2010/main" val="3909658032"/>
+      </p:ext>
+    </p:extLst>
+  </p:cSld>
+  <p:clrMapOvr>
+    <a:masterClrMapping/>
+  </p:clrMapOvr>
+</p:sld>
+</file>
+
 <file path=ppt/slides/slide2.xml><?xml version="1.0" encoding="utf-8"?>
 <p:sld xmlns:a="http://schemas.openxmlformats.org/drawingml/2006/main" xmlns:r="http://schemas.openxmlformats.org/officeDocument/2006/relationships" xmlns:p="http://schemas.openxmlformats.org/presentationml/2006/main">
   <p:cSld>
@@ -7553,7 +7621,7 @@
           <p:cNvPr id="2" name="Title 1">
             <a:extLst>
               <a:ext uri="{FF2B5EF4-FFF2-40B4-BE49-F238E27FC236}">
-                <a16:creationId xmlns:a16="http://schemas.microsoft.com/office/drawing/2014/main" id="{CB6DB134-0052-4B72-B13B-5C5A5E1B4779}"/>
+                <a16:creationId xmlns:a16="http://schemas.microsoft.com/office/drawing/2014/main" id="{8D78AD65-98A7-4E50-BDC2-5AB009FCD829}"/>
               </a:ext>
             </a:extLst>
           </p:cNvPr>
@@ -7564,12 +7632,346 @@
             <p:ph type="title"/>
           </p:nvPr>
         </p:nvSpPr>
-        <p:spPr>
-          <a:xfrm>
-            <a:off x="276466" y="2142517"/>
-            <a:ext cx="10364451" cy="1596177"/>
-          </a:xfrm>
-        </p:spPr>
+        <p:spPr/>
+        <p:txBody>
+          <a:bodyPr/>
+          <a:lstStyle/>
+          <a:p>
+            <a:r>
+              <a:rPr lang="en-US" b="1" i="0" dirty="0">
+                <a:solidFill>
+                  <a:srgbClr val="24292F"/>
+                </a:solidFill>
+                <a:effectLst/>
+                <a:latin typeface="Amasis MT Pro Medium" panose="02040604050005020304" pitchFamily="18" charset="0"/>
+              </a:rPr>
+              <a:t>Modeling</a:t>
+            </a:r>
+            <a:endParaRPr lang="en-US" dirty="0">
+              <a:latin typeface="Amasis MT Pro Medium" panose="02040604050005020304" pitchFamily="18" charset="0"/>
+            </a:endParaRPr>
+          </a:p>
+        </p:txBody>
+      </p:sp>
+      <p:sp>
+        <p:nvSpPr>
+          <p:cNvPr id="3" name="Content Placeholder 2">
+            <a:extLst>
+              <a:ext uri="{FF2B5EF4-FFF2-40B4-BE49-F238E27FC236}">
+                <a16:creationId xmlns:a16="http://schemas.microsoft.com/office/drawing/2014/main" id="{A88E4222-83D4-4B4C-ACE7-0A0070D72EC9}"/>
+              </a:ext>
+            </a:extLst>
+          </p:cNvPr>
+          <p:cNvSpPr>
+            <a:spLocks noGrp="1"/>
+          </p:cNvSpPr>
+          <p:nvPr>
+            <p:ph sz="quarter" idx="13"/>
+          </p:nvPr>
+        </p:nvSpPr>
+        <p:spPr/>
+        <p:txBody>
+          <a:bodyPr>
+            <a:normAutofit/>
+          </a:bodyPr>
+          <a:lstStyle/>
+          <a:p>
+            <a:r>
+              <a:rPr lang="en-US" b="0" i="0" dirty="0">
+                <a:solidFill>
+                  <a:srgbClr val="24292F"/>
+                </a:solidFill>
+                <a:effectLst/>
+                <a:latin typeface="Amasis MT Pro Medium" panose="02040604050005020304" pitchFamily="18" charset="0"/>
+              </a:rPr>
+              <a:t>build models and refine data narrative</a:t>
+            </a:r>
+          </a:p>
+          <a:p>
+            <a:r>
+              <a:rPr lang="en-US" b="0" i="0" dirty="0">
+                <a:solidFill>
+                  <a:srgbClr val="24292F"/>
+                </a:solidFill>
+                <a:effectLst/>
+                <a:latin typeface="Amasis MT Pro Medium" panose="02040604050005020304" pitchFamily="18" charset="0"/>
+              </a:rPr>
+              <a:t>Found Golden cluster</a:t>
+            </a:r>
+          </a:p>
+          <a:p>
+            <a:r>
+              <a:rPr lang="en-US" b="0" i="0" dirty="0">
+                <a:solidFill>
+                  <a:srgbClr val="24292F"/>
+                </a:solidFill>
+                <a:effectLst/>
+                <a:latin typeface="Amasis MT Pro Medium" panose="02040604050005020304" pitchFamily="18" charset="0"/>
+              </a:rPr>
+              <a:t>Applied various classifiers and regressors algorithms Classifier:</a:t>
+            </a:r>
+          </a:p>
+          <a:p>
+            <a:pPr lvl="1"/>
+            <a:r>
+              <a:rPr lang="en-US" dirty="0">
+                <a:solidFill>
+                  <a:srgbClr val="24292F"/>
+                </a:solidFill>
+                <a:latin typeface="Amasis MT Pro Medium" panose="02040604050005020304" pitchFamily="18" charset="0"/>
+              </a:rPr>
+              <a:t>KNN</a:t>
+            </a:r>
+          </a:p>
+          <a:p>
+            <a:pPr lvl="1"/>
+            <a:r>
+              <a:rPr lang="en-US" b="0" i="0" dirty="0">
+                <a:solidFill>
+                  <a:srgbClr val="24292F"/>
+                </a:solidFill>
+                <a:effectLst/>
+                <a:latin typeface="Amasis MT Pro Medium" panose="02040604050005020304" pitchFamily="18" charset="0"/>
+              </a:rPr>
+              <a:t>Random forest classifier</a:t>
+            </a:r>
+            <a:endParaRPr lang="en-US" dirty="0">
+              <a:solidFill>
+                <a:srgbClr val="24292F"/>
+              </a:solidFill>
+              <a:latin typeface="Amasis MT Pro Medium" panose="02040604050005020304" pitchFamily="18" charset="0"/>
+            </a:endParaRPr>
+          </a:p>
+          <a:p>
+            <a:pPr lvl="1"/>
+            <a:r>
+              <a:rPr lang="en-US" b="0" i="0" dirty="0">
+                <a:solidFill>
+                  <a:srgbClr val="24292F"/>
+                </a:solidFill>
+                <a:effectLst/>
+                <a:latin typeface="Amasis MT Pro Medium" panose="02040604050005020304" pitchFamily="18" charset="0"/>
+              </a:rPr>
+              <a:t>Adaboost </a:t>
+            </a:r>
+            <a:r>
+              <a:rPr lang="en-US" b="0" i="0" dirty="0" err="1">
+                <a:solidFill>
+                  <a:srgbClr val="24292F"/>
+                </a:solidFill>
+                <a:effectLst/>
+                <a:latin typeface="Amasis MT Pro Medium" panose="02040604050005020304" pitchFamily="18" charset="0"/>
+              </a:rPr>
+              <a:t>classfier</a:t>
+            </a:r>
+            <a:endParaRPr lang="en-US" b="0" i="0" dirty="0">
+              <a:solidFill>
+                <a:srgbClr val="24292F"/>
+              </a:solidFill>
+              <a:effectLst/>
+              <a:latin typeface="Amasis MT Pro Medium" panose="02040604050005020304" pitchFamily="18" charset="0"/>
+            </a:endParaRPr>
+          </a:p>
+        </p:txBody>
+      </p:sp>
+    </p:spTree>
+    <p:extLst>
+      <p:ext uri="{BB962C8B-B14F-4D97-AF65-F5344CB8AC3E}">
+        <p14:creationId xmlns:p14="http://schemas.microsoft.com/office/powerpoint/2010/main" val="4017548507"/>
+      </p:ext>
+    </p:extLst>
+  </p:cSld>
+  <p:clrMapOvr>
+    <a:masterClrMapping/>
+  </p:clrMapOvr>
+</p:sld>
+</file>
+
+<file path=ppt/slides/slide8.xml><?xml version="1.0" encoding="utf-8"?>
+<p:sld xmlns:a="http://schemas.openxmlformats.org/drawingml/2006/main" xmlns:r="http://schemas.openxmlformats.org/officeDocument/2006/relationships" xmlns:p="http://schemas.openxmlformats.org/presentationml/2006/main">
+  <p:cSld>
+    <p:spTree>
+      <p:nvGrpSpPr>
+        <p:cNvPr id="1" name=""/>
+        <p:cNvGrpSpPr/>
+        <p:nvPr/>
+      </p:nvGrpSpPr>
+      <p:grpSpPr>
+        <a:xfrm>
+          <a:off x="0" y="0"/>
+          <a:ext cx="0" cy="0"/>
+          <a:chOff x="0" y="0"/>
+          <a:chExt cx="0" cy="0"/>
+        </a:xfrm>
+      </p:grpSpPr>
+      <p:sp>
+        <p:nvSpPr>
+          <p:cNvPr id="2" name="Title 1">
+            <a:extLst>
+              <a:ext uri="{FF2B5EF4-FFF2-40B4-BE49-F238E27FC236}">
+                <a16:creationId xmlns:a16="http://schemas.microsoft.com/office/drawing/2014/main" id="{139FA008-96D3-43D3-801F-415E2D6E238D}"/>
+              </a:ext>
+            </a:extLst>
+          </p:cNvPr>
+          <p:cNvSpPr>
+            <a:spLocks noGrp="1"/>
+          </p:cNvSpPr>
+          <p:nvPr>
+            <p:ph type="title"/>
+          </p:nvPr>
+        </p:nvSpPr>
+        <p:spPr/>
+        <p:txBody>
+          <a:bodyPr/>
+          <a:lstStyle/>
+          <a:p>
+            <a:r>
+              <a:rPr lang="en-US" b="1" i="0" dirty="0">
+                <a:solidFill>
+                  <a:srgbClr val="24292F"/>
+                </a:solidFill>
+                <a:effectLst/>
+                <a:latin typeface="Amasis MT Pro Medium" panose="02040604050005020304" pitchFamily="18" charset="0"/>
+              </a:rPr>
+              <a:t>Evaluation</a:t>
+            </a:r>
+            <a:endParaRPr lang="en-US" dirty="0">
+              <a:latin typeface="Amasis MT Pro Medium" panose="02040604050005020304" pitchFamily="18" charset="0"/>
+            </a:endParaRPr>
+          </a:p>
+        </p:txBody>
+      </p:sp>
+      <p:sp>
+        <p:nvSpPr>
+          <p:cNvPr id="3" name="Content Placeholder 2">
+            <a:extLst>
+              <a:ext uri="{FF2B5EF4-FFF2-40B4-BE49-F238E27FC236}">
+                <a16:creationId xmlns:a16="http://schemas.microsoft.com/office/drawing/2014/main" id="{02EDF9B1-B0DD-414D-AFF0-C35D1CEDA0A4}"/>
+              </a:ext>
+            </a:extLst>
+          </p:cNvPr>
+          <p:cNvSpPr>
+            <a:spLocks noGrp="1"/>
+          </p:cNvSpPr>
+          <p:nvPr>
+            <p:ph sz="quarter" idx="13"/>
+          </p:nvPr>
+        </p:nvSpPr>
+        <p:spPr/>
+        <p:txBody>
+          <a:bodyPr/>
+          <a:lstStyle/>
+          <a:p>
+            <a:r>
+              <a:rPr lang="en-US" b="0" i="0" dirty="0">
+                <a:solidFill>
+                  <a:srgbClr val="24292F"/>
+                </a:solidFill>
+                <a:effectLst/>
+                <a:latin typeface="Amasis MT Pro Medium" panose="02040604050005020304" pitchFamily="18" charset="0"/>
+              </a:rPr>
+              <a:t>Compare relevant tasks in the same table Interpret results of each algorithm. Suggest Latent Variables or Latent Manifolds, add then to the features and see how prediction results change. Use appropriate metrics for measuring models and compare them in a table: regression metrics and/or classification metrics (confusion matrix, F1 and R2 score).</a:t>
+            </a:r>
+            <a:endParaRPr lang="en-US" dirty="0">
+              <a:latin typeface="Amasis MT Pro Medium" panose="02040604050005020304" pitchFamily="18" charset="0"/>
+            </a:endParaRPr>
+          </a:p>
+        </p:txBody>
+      </p:sp>
+    </p:spTree>
+    <p:extLst>
+      <p:ext uri="{BB962C8B-B14F-4D97-AF65-F5344CB8AC3E}">
+        <p14:creationId xmlns:p14="http://schemas.microsoft.com/office/powerpoint/2010/main" val="4228501812"/>
+      </p:ext>
+    </p:extLst>
+  </p:cSld>
+  <p:clrMapOvr>
+    <a:masterClrMapping/>
+  </p:clrMapOvr>
+</p:sld>
+</file>
+
+<file path=ppt/slides/slide9.xml><?xml version="1.0" encoding="utf-8"?>
+<p:sld xmlns:a="http://schemas.openxmlformats.org/drawingml/2006/main" xmlns:r="http://schemas.openxmlformats.org/officeDocument/2006/relationships" xmlns:p="http://schemas.openxmlformats.org/presentationml/2006/main">
+  <p:cSld>
+    <p:spTree>
+      <p:nvGrpSpPr>
+        <p:cNvPr id="1" name=""/>
+        <p:cNvGrpSpPr/>
+        <p:nvPr/>
+      </p:nvGrpSpPr>
+      <p:grpSpPr>
+        <a:xfrm>
+          <a:off x="0" y="0"/>
+          <a:ext cx="0" cy="0"/>
+          <a:chOff x="0" y="0"/>
+          <a:chExt cx="0" cy="0"/>
+        </a:xfrm>
+      </p:grpSpPr>
+      <p:sp>
+        <p:nvSpPr>
+          <p:cNvPr id="2" name="Title 1">
+            <a:extLst>
+              <a:ext uri="{FF2B5EF4-FFF2-40B4-BE49-F238E27FC236}">
+                <a16:creationId xmlns:a16="http://schemas.microsoft.com/office/drawing/2014/main" id="{BEDD1F7C-BB27-4FDC-BC1D-DA128F6E6660}"/>
+              </a:ext>
+            </a:extLst>
+          </p:cNvPr>
+          <p:cNvSpPr>
+            <a:spLocks noGrp="1"/>
+          </p:cNvSpPr>
+          <p:nvPr>
+            <p:ph type="title"/>
+          </p:nvPr>
+        </p:nvSpPr>
+        <p:spPr/>
+        <p:txBody>
+          <a:bodyPr/>
+          <a:lstStyle/>
+          <a:p>
+            <a:r>
+              <a:rPr lang="en-US" b="1" i="0" dirty="0">
+                <a:solidFill>
+                  <a:srgbClr val="24292F"/>
+                </a:solidFill>
+                <a:effectLst/>
+                <a:latin typeface="Amasis MT Pro Medium" panose="02040604050005020304" pitchFamily="18" charset="0"/>
+              </a:rPr>
+              <a:t>Deployment</a:t>
+            </a:r>
+            <a:r>
+              <a:rPr lang="en-US" b="0" i="0" dirty="0">
+                <a:solidFill>
+                  <a:srgbClr val="24292F"/>
+                </a:solidFill>
+                <a:effectLst/>
+                <a:latin typeface="Amasis MT Pro Medium" panose="02040604050005020304" pitchFamily="18" charset="0"/>
+              </a:rPr>
+              <a:t>:</a:t>
+            </a:r>
+            <a:endParaRPr lang="en-US" dirty="0">
+              <a:latin typeface="Amasis MT Pro Medium" panose="02040604050005020304" pitchFamily="18" charset="0"/>
+            </a:endParaRPr>
+          </a:p>
+        </p:txBody>
+      </p:sp>
+      <p:sp>
+        <p:nvSpPr>
+          <p:cNvPr id="3" name="Content Placeholder 2">
+            <a:extLst>
+              <a:ext uri="{FF2B5EF4-FFF2-40B4-BE49-F238E27FC236}">
+                <a16:creationId xmlns:a16="http://schemas.microsoft.com/office/drawing/2014/main" id="{B7076545-E6C0-4552-9C41-9459729EE587}"/>
+              </a:ext>
+            </a:extLst>
+          </p:cNvPr>
+          <p:cNvSpPr>
+            <a:spLocks noGrp="1"/>
+          </p:cNvSpPr>
+          <p:nvPr>
+            <p:ph sz="quarter" idx="13"/>
+          </p:nvPr>
+        </p:nvSpPr>
+        <p:spPr/>
         <p:txBody>
           <a:bodyPr/>
           <a:lstStyle/>
@@ -7578,15 +7980,50 @@
               <a:rPr lang="en-US" dirty="0">
                 <a:latin typeface="Amasis MT Pro Medium" panose="02040604050005020304" pitchFamily="18" charset="0"/>
               </a:rPr>
-              <a:t>Thank you </a:t>
-            </a:r>
+              <a:t>Front end</a:t>
+            </a:r>
+          </a:p>
+          <a:p>
+            <a:pPr lvl="1"/>
+            <a:r>
+              <a:rPr lang="en-US" dirty="0">
+                <a:latin typeface="Amasis MT Pro Medium" panose="02040604050005020304" pitchFamily="18" charset="0"/>
+              </a:rPr>
+              <a:t>React </a:t>
+            </a:r>
+          </a:p>
+          <a:p>
+            <a:r>
+              <a:rPr lang="en-US" dirty="0">
+                <a:latin typeface="Amasis MT Pro Medium" panose="02040604050005020304" pitchFamily="18" charset="0"/>
+              </a:rPr>
+              <a:t>Back end</a:t>
+            </a:r>
+          </a:p>
+          <a:p>
+            <a:pPr lvl="1"/>
+            <a:r>
+              <a:rPr lang="en-US" dirty="0">
+                <a:latin typeface="Amasis MT Pro Medium" panose="02040604050005020304" pitchFamily="18" charset="0"/>
+              </a:rPr>
+              <a:t>Flask </a:t>
+            </a:r>
+            <a:r>
+              <a:rPr lang="en-US" dirty="0" err="1">
+                <a:latin typeface="Amasis MT Pro Medium" panose="02040604050005020304" pitchFamily="18" charset="0"/>
+              </a:rPr>
+              <a:t>api</a:t>
+            </a:r>
+            <a:endParaRPr lang="en-US" dirty="0">
+              <a:latin typeface="Amasis MT Pro Medium" panose="02040604050005020304" pitchFamily="18" charset="0"/>
+            </a:endParaRPr>
           </a:p>
         </p:txBody>
       </p:sp>
     </p:spTree>
     <p:extLst>
       <p:ext uri="{BB962C8B-B14F-4D97-AF65-F5344CB8AC3E}">
-        <p14:creationId xmlns:p14="http://schemas.microsoft.com/office/powerpoint/2010/main" val="3909658032"/>
+        <p14:creationId xmlns:p14="http://schemas.microsoft.com/office/powerpoint/2010/main" val="1764309708"/>
       </p:ext>
     </p:extLst>
   </p:cSld>

--- a/DM-Project-PPT.pptx
+++ b/DM-Project-PPT.pptx
@@ -7870,7 +7870,17 @@
                 <a:effectLst/>
                 <a:latin typeface="Amasis MT Pro Medium" panose="02040604050005020304" pitchFamily="18" charset="0"/>
               </a:rPr>
-              <a:t>Compare relevant tasks in the same table Interpret results of each algorithm. Suggest Latent Variables or Latent Manifolds, add then to the features and see how prediction results change. Use appropriate metrics for measuring models and compare them in a table: regression metrics and/or classification metrics (confusion matrix, F1 and R2 score).</a:t>
+              <a:t>Added Latent Variables as the features and see how prediction results change. Use appropriate metrics for measuring models and compare them in </a:t>
+            </a:r>
+            <a:r>
+              <a:rPr lang="en-US" b="0" i="0">
+                <a:solidFill>
+                  <a:srgbClr val="24292F"/>
+                </a:solidFill>
+                <a:effectLst/>
+                <a:latin typeface="Amasis MT Pro Medium" panose="02040604050005020304" pitchFamily="18" charset="0"/>
+              </a:rPr>
+              <a:t>a table</a:t>
             </a:r>
             <a:endParaRPr lang="en-US" dirty="0">
               <a:latin typeface="Amasis MT Pro Medium" panose="02040604050005020304" pitchFamily="18" charset="0"/>
